--- a/documentation/Презентация к проекту.pptx
+++ b/documentation/Презентация к проекту.pptx
@@ -1327,7 +1327,7 @@
           <a:p>
             <a:fld id="{D8A45577-E87A-4ECA-96C9-2F1ED727E096}" type="datetimeFigureOut">
               <a:rPr lang="ru-RU" smtClean="0"/>
-              <a:t>12.11.2023</a:t>
+              <a:t>23.04.2024</a:t>
             </a:fld>
             <a:endParaRPr lang="ru-RU"/>
           </a:p>
@@ -1565,7 +1565,7 @@
           <a:p>
             <a:fld id="{D8A45577-E87A-4ECA-96C9-2F1ED727E096}" type="datetimeFigureOut">
               <a:rPr lang="ru-RU" smtClean="0"/>
-              <a:t>12.11.2023</a:t>
+              <a:t>23.04.2024</a:t>
             </a:fld>
             <a:endParaRPr lang="ru-RU"/>
           </a:p>
@@ -1745,7 +1745,7 @@
           <a:p>
             <a:fld id="{D8A45577-E87A-4ECA-96C9-2F1ED727E096}" type="datetimeFigureOut">
               <a:rPr lang="ru-RU" smtClean="0"/>
-              <a:t>12.11.2023</a:t>
+              <a:t>23.04.2024</a:t>
             </a:fld>
             <a:endParaRPr lang="ru-RU"/>
           </a:p>
@@ -1915,7 +1915,7 @@
           <a:p>
             <a:fld id="{D8A45577-E87A-4ECA-96C9-2F1ED727E096}" type="datetimeFigureOut">
               <a:rPr lang="ru-RU" smtClean="0"/>
-              <a:t>12.11.2023</a:t>
+              <a:t>23.04.2024</a:t>
             </a:fld>
             <a:endParaRPr lang="ru-RU"/>
           </a:p>
@@ -2188,7 +2188,7 @@
           <a:p>
             <a:fld id="{D8A45577-E87A-4ECA-96C9-2F1ED727E096}" type="datetimeFigureOut">
               <a:rPr lang="ru-RU" smtClean="0"/>
-              <a:t>12.11.2023</a:t>
+              <a:t>23.04.2024</a:t>
             </a:fld>
             <a:endParaRPr lang="ru-RU"/>
           </a:p>
@@ -3389,7 +3389,7 @@
           <a:p>
             <a:fld id="{D8A45577-E87A-4ECA-96C9-2F1ED727E096}" type="datetimeFigureOut">
               <a:rPr lang="ru-RU" smtClean="0"/>
-              <a:t>12.11.2023</a:t>
+              <a:t>23.04.2024</a:t>
             </a:fld>
             <a:endParaRPr lang="ru-RU"/>
           </a:p>
@@ -3779,7 +3779,7 @@
           <a:p>
             <a:fld id="{D8A45577-E87A-4ECA-96C9-2F1ED727E096}" type="datetimeFigureOut">
               <a:rPr lang="ru-RU" smtClean="0"/>
-              <a:t>12.11.2023</a:t>
+              <a:t>23.04.2024</a:t>
             </a:fld>
             <a:endParaRPr lang="ru-RU"/>
           </a:p>
@@ -3902,7 +3902,7 @@
           <a:p>
             <a:fld id="{D8A45577-E87A-4ECA-96C9-2F1ED727E096}" type="datetimeFigureOut">
               <a:rPr lang="ru-RU" smtClean="0"/>
-              <a:t>12.11.2023</a:t>
+              <a:t>23.04.2024</a:t>
             </a:fld>
             <a:endParaRPr lang="ru-RU"/>
           </a:p>
@@ -3997,7 +3997,7 @@
           <a:p>
             <a:fld id="{D8A45577-E87A-4ECA-96C9-2F1ED727E096}" type="datetimeFigureOut">
               <a:rPr lang="ru-RU" smtClean="0"/>
-              <a:t>12.11.2023</a:t>
+              <a:t>23.04.2024</a:t>
             </a:fld>
             <a:endParaRPr lang="ru-RU"/>
           </a:p>
@@ -4760,7 +4760,7 @@
           <a:p>
             <a:fld id="{D8A45577-E87A-4ECA-96C9-2F1ED727E096}" type="datetimeFigureOut">
               <a:rPr lang="ru-RU" smtClean="0"/>
-              <a:t>12.11.2023</a:t>
+              <a:t>23.04.2024</a:t>
             </a:fld>
             <a:endParaRPr lang="ru-RU"/>
           </a:p>
@@ -5600,7 +5600,7 @@
           <a:p>
             <a:fld id="{D8A45577-E87A-4ECA-96C9-2F1ED727E096}" type="datetimeFigureOut">
               <a:rPr lang="ru-RU" smtClean="0"/>
-              <a:t>12.11.2023</a:t>
+              <a:t>23.04.2024</a:t>
             </a:fld>
             <a:endParaRPr lang="ru-RU"/>
           </a:p>
@@ -5827,7 +5827,7 @@
           <a:p>
             <a:fld id="{D8A45577-E87A-4ECA-96C9-2F1ED727E096}" type="datetimeFigureOut">
               <a:rPr lang="ru-RU" smtClean="0"/>
-              <a:t>12.11.2023</a:t>
+              <a:t>23.04.2024</a:t>
             </a:fld>
             <a:endParaRPr lang="ru-RU"/>
           </a:p>
@@ -7680,7 +7680,7 @@
           <p:nvPr/>
         </p:nvPicPr>
         <p:blipFill>
-          <a:blip r:embed="rId4">
+          <a:blip r:embed="rId4" cstate="hqprint">
             <a:extLst>
               <a:ext uri="{28A0092B-C50C-407E-A947-70E740481C1C}">
                 <a14:useLocalDpi xmlns:a14="http://schemas.microsoft.com/office/drawing/2010/main" val="0"/>
@@ -7722,7 +7722,7 @@
           <a:blip r:embed="rId5">
             <a:extLst>
               <a:ext uri="{96DAC541-7B7A-43D3-8B79-37D633B846F1}">
-                <asvg:svgBlip xmlns:asvg="http://schemas.microsoft.com/office/drawing/2016/SVG/main" r:embed="rId6"/>
+                <asvg:svgBlip xmlns:asvg="http://schemas.microsoft.com/office/drawing/2016/SVG/main" xmlns="" r:embed="rId6"/>
               </a:ext>
             </a:extLst>
           </a:blip>
@@ -7910,7 +7910,7 @@
         <p:spPr>
           <a:xfrm>
             <a:off x="1481072" y="2073499"/>
-            <a:ext cx="6645497" cy="1631216"/>
+            <a:ext cx="6645497" cy="1015663"/>
           </a:xfrm>
           <a:prstGeom prst="rect">
             <a:avLst/>
@@ -7945,6 +7945,17 @@
               <a:buChar char="•"/>
             </a:pPr>
             <a:r>
+              <a:rPr lang="ru-RU" sz="2000" dirty="0" smtClean="0">
+                <a:solidFill>
+                  <a:schemeClr val="tx1">
+                    <a:lumMod val="65000"/>
+                    <a:lumOff val="35000"/>
+                  </a:schemeClr>
+                </a:solidFill>
+              </a:rPr>
+              <a:t>Создать </a:t>
+            </a:r>
+            <a:r>
               <a:rPr lang="ru-RU" sz="2000" dirty="0">
                 <a:solidFill>
                   <a:schemeClr val="tx1">
@@ -7953,24 +7964,7 @@
                   </a:schemeClr>
                 </a:solidFill>
               </a:rPr>
-              <a:t>Можно добавить подробный просмотр ответов пользователей в логе.</a:t>
-            </a:r>
-          </a:p>
-          <a:p>
-            <a:pPr marL="285750" indent="-285750">
-              <a:buFont typeface="Arial" panose="020B0604020202020204" pitchFamily="34" charset="0"/>
-              <a:buChar char="•"/>
-            </a:pPr>
-            <a:r>
-              <a:rPr lang="ru-RU" sz="2000" dirty="0">
-                <a:solidFill>
-                  <a:schemeClr val="tx1">
-                    <a:lumMod val="65000"/>
-                    <a:lumOff val="35000"/>
-                  </a:schemeClr>
-                </a:solidFill>
-              </a:rPr>
-              <a:t>Создать мобильное приложение на основе проекта.</a:t>
+              <a:t>мобильное приложение на основе проекта.</a:t>
             </a:r>
           </a:p>
         </p:txBody>
